--- a/Figures/Dist1/Dist1.pptx
+++ b/Figures/Dist1/Dist1.pptx
@@ -243,7 +243,7 @@
           <a:p>
             <a:fld id="{D3A6B123-D7EF-4E83-BA9B-DCD733485001}" type="datetimeFigureOut">
               <a:rPr lang="en-US" smtClean="0"/>
-              <a:t>12/12/2016</a:t>
+              <a:t>12/16/2016</a:t>
             </a:fld>
             <a:endParaRPr lang="en-US"/>
           </a:p>
@@ -413,7 +413,7 @@
           <a:p>
             <a:fld id="{D3A6B123-D7EF-4E83-BA9B-DCD733485001}" type="datetimeFigureOut">
               <a:rPr lang="en-US" smtClean="0"/>
-              <a:t>12/12/2016</a:t>
+              <a:t>12/16/2016</a:t>
             </a:fld>
             <a:endParaRPr lang="en-US"/>
           </a:p>
@@ -593,7 +593,7 @@
           <a:p>
             <a:fld id="{D3A6B123-D7EF-4E83-BA9B-DCD733485001}" type="datetimeFigureOut">
               <a:rPr lang="en-US" smtClean="0"/>
-              <a:t>12/12/2016</a:t>
+              <a:t>12/16/2016</a:t>
             </a:fld>
             <a:endParaRPr lang="en-US"/>
           </a:p>
@@ -763,7 +763,7 @@
           <a:p>
             <a:fld id="{D3A6B123-D7EF-4E83-BA9B-DCD733485001}" type="datetimeFigureOut">
               <a:rPr lang="en-US" smtClean="0"/>
-              <a:t>12/12/2016</a:t>
+              <a:t>12/16/2016</a:t>
             </a:fld>
             <a:endParaRPr lang="en-US"/>
           </a:p>
@@ -1009,7 +1009,7 @@
           <a:p>
             <a:fld id="{D3A6B123-D7EF-4E83-BA9B-DCD733485001}" type="datetimeFigureOut">
               <a:rPr lang="en-US" smtClean="0"/>
-              <a:t>12/12/2016</a:t>
+              <a:t>12/16/2016</a:t>
             </a:fld>
             <a:endParaRPr lang="en-US"/>
           </a:p>
@@ -1241,7 +1241,7 @@
           <a:p>
             <a:fld id="{D3A6B123-D7EF-4E83-BA9B-DCD733485001}" type="datetimeFigureOut">
               <a:rPr lang="en-US" smtClean="0"/>
-              <a:t>12/12/2016</a:t>
+              <a:t>12/16/2016</a:t>
             </a:fld>
             <a:endParaRPr lang="en-US"/>
           </a:p>
@@ -1608,7 +1608,7 @@
           <a:p>
             <a:fld id="{D3A6B123-D7EF-4E83-BA9B-DCD733485001}" type="datetimeFigureOut">
               <a:rPr lang="en-US" smtClean="0"/>
-              <a:t>12/12/2016</a:t>
+              <a:t>12/16/2016</a:t>
             </a:fld>
             <a:endParaRPr lang="en-US"/>
           </a:p>
@@ -1726,7 +1726,7 @@
           <a:p>
             <a:fld id="{D3A6B123-D7EF-4E83-BA9B-DCD733485001}" type="datetimeFigureOut">
               <a:rPr lang="en-US" smtClean="0"/>
-              <a:t>12/12/2016</a:t>
+              <a:t>12/16/2016</a:t>
             </a:fld>
             <a:endParaRPr lang="en-US"/>
           </a:p>
@@ -1821,7 +1821,7 @@
           <a:p>
             <a:fld id="{D3A6B123-D7EF-4E83-BA9B-DCD733485001}" type="datetimeFigureOut">
               <a:rPr lang="en-US" smtClean="0"/>
-              <a:t>12/12/2016</a:t>
+              <a:t>12/16/2016</a:t>
             </a:fld>
             <a:endParaRPr lang="en-US"/>
           </a:p>
@@ -2098,7 +2098,7 @@
           <a:p>
             <a:fld id="{D3A6B123-D7EF-4E83-BA9B-DCD733485001}" type="datetimeFigureOut">
               <a:rPr lang="en-US" smtClean="0"/>
-              <a:t>12/12/2016</a:t>
+              <a:t>12/16/2016</a:t>
             </a:fld>
             <a:endParaRPr lang="en-US"/>
           </a:p>
@@ -2355,7 +2355,7 @@
           <a:p>
             <a:fld id="{D3A6B123-D7EF-4E83-BA9B-DCD733485001}" type="datetimeFigureOut">
               <a:rPr lang="en-US" smtClean="0"/>
-              <a:t>12/12/2016</a:t>
+              <a:t>12/16/2016</a:t>
             </a:fld>
             <a:endParaRPr lang="en-US"/>
           </a:p>
@@ -2568,7 +2568,7 @@
           <a:p>
             <a:fld id="{D3A6B123-D7EF-4E83-BA9B-DCD733485001}" type="datetimeFigureOut">
               <a:rPr lang="en-US" smtClean="0"/>
-              <a:t>12/12/2016</a:t>
+              <a:t>12/16/2016</a:t>
             </a:fld>
             <a:endParaRPr lang="en-US"/>
           </a:p>
@@ -2975,7 +2975,7 @@
       </p:grpSpPr>
       <p:pic>
         <p:nvPicPr>
-          <p:cNvPr id="28" name="Picture 27"/>
+          <p:cNvPr id="4" name="Picture 3"/>
           <p:cNvPicPr>
             <a:picLocks noChangeAspect="1"/>
           </p:cNvPicPr>
@@ -2999,8 +2999,8 @@
         </p:blipFill>
         <p:spPr>
           <a:xfrm>
-            <a:off x="3980541" y="304233"/>
-            <a:ext cx="1207619" cy="255238"/>
+            <a:off x="4021806" y="306070"/>
+            <a:ext cx="1086857" cy="229714"/>
           </a:xfrm>
           <a:prstGeom prst="rect">
             <a:avLst/>
@@ -3043,7 +3043,7 @@
       </p:cxnSp>
       <p:pic>
         <p:nvPicPr>
-          <p:cNvPr id="12" name="Picture 11"/>
+          <p:cNvPr id="16" name="Picture 15"/>
           <p:cNvPicPr>
             <a:picLocks noChangeAspect="1"/>
           </p:cNvPicPr>
@@ -3068,7 +3068,7 @@
         <p:spPr>
           <a:xfrm>
             <a:off x="4495807" y="4604333"/>
-            <a:ext cx="154286" cy="173333"/>
+            <a:ext cx="138857" cy="156000"/>
           </a:xfrm>
           <a:prstGeom prst="rect">
             <a:avLst/>
@@ -3105,7 +3105,7 @@
         </p:blipFill>
         <p:spPr>
           <a:xfrm>
-            <a:off x="5645574" y="4289749"/>
+            <a:off x="5666740" y="4290060"/>
             <a:ext cx="3581400" cy="647701"/>
           </a:xfrm>
           <a:prstGeom prst="rect">
@@ -3115,7 +3115,7 @@
       </p:pic>
       <p:pic>
         <p:nvPicPr>
-          <p:cNvPr id="42" name="Picture 41"/>
+          <p:cNvPr id="24" name="Picture 23"/>
           <p:cNvPicPr>
             <a:picLocks noChangeAspect="1"/>
           </p:cNvPicPr>
@@ -3139,8 +3139,8 @@
         </p:blipFill>
         <p:spPr>
           <a:xfrm>
-            <a:off x="5946291" y="4957459"/>
-            <a:ext cx="3093333" cy="255238"/>
+            <a:off x="6334841" y="4990133"/>
+            <a:ext cx="2681143" cy="229714"/>
           </a:xfrm>
           <a:prstGeom prst="rect">
             <a:avLst/>
@@ -3149,7 +3149,7 @@
       </p:pic>
       <p:pic>
         <p:nvPicPr>
-          <p:cNvPr id="22" name="Picture 21"/>
+          <p:cNvPr id="15" name="Picture 14"/>
           <p:cNvPicPr>
             <a:picLocks noChangeAspect="1"/>
           </p:cNvPicPr>
@@ -3174,7 +3174,7 @@
         <p:spPr>
           <a:xfrm>
             <a:off x="5759710" y="4625906"/>
-            <a:ext cx="108571" cy="175238"/>
+            <a:ext cx="97714" cy="157714"/>
           </a:xfrm>
           <a:prstGeom prst="rect">
             <a:avLst/>
@@ -3183,7 +3183,7 @@
       </p:pic>
       <p:pic>
         <p:nvPicPr>
-          <p:cNvPr id="3" name="Picture 2"/>
+          <p:cNvPr id="13" name="Picture 12"/>
           <p:cNvPicPr>
             <a:picLocks noChangeAspect="1"/>
           </p:cNvPicPr>
@@ -3207,8 +3207,8 @@
         </p:blipFill>
         <p:spPr>
           <a:xfrm>
-            <a:off x="8863919" y="4625906"/>
-            <a:ext cx="300952" cy="175238"/>
+            <a:off x="8863920" y="4625906"/>
+            <a:ext cx="270857" cy="157714"/>
           </a:xfrm>
           <a:prstGeom prst="rect">
             <a:avLst/>
@@ -3217,7 +3217,7 @@
       </p:pic>
       <p:pic>
         <p:nvPicPr>
-          <p:cNvPr id="5" name="Picture 4"/>
+          <p:cNvPr id="10" name="Picture 9"/>
           <p:cNvPicPr>
             <a:picLocks noChangeAspect="1"/>
           </p:cNvPicPr>
@@ -3241,8 +3241,8 @@
         </p:blipFill>
         <p:spPr>
           <a:xfrm>
-            <a:off x="7182928" y="4637337"/>
-            <a:ext cx="426667" cy="177143"/>
+            <a:off x="7182928" y="4637338"/>
+            <a:ext cx="384000" cy="159429"/>
           </a:xfrm>
           <a:prstGeom prst="rect">
             <a:avLst/>
@@ -3251,7 +3251,7 @@
       </p:pic>
       <p:pic>
         <p:nvPicPr>
-          <p:cNvPr id="29" name="Picture 28"/>
+          <p:cNvPr id="6" name="Picture 5"/>
           <p:cNvPicPr>
             <a:picLocks noChangeAspect="1"/>
           </p:cNvPicPr>
@@ -3275,8 +3275,8 @@
         </p:blipFill>
         <p:spPr>
           <a:xfrm>
-            <a:off x="5811151" y="306070"/>
-            <a:ext cx="1205714" cy="255238"/>
+            <a:off x="5871436" y="306070"/>
+            <a:ext cx="1085143" cy="229714"/>
           </a:xfrm>
           <a:prstGeom prst="rect">
             <a:avLst/>
@@ -3285,7 +3285,7 @@
       </p:pic>
       <p:pic>
         <p:nvPicPr>
-          <p:cNvPr id="25" name="Picture 24"/>
+          <p:cNvPr id="7" name="Picture 6"/>
           <p:cNvPicPr>
             <a:picLocks noChangeAspect="1"/>
           </p:cNvPicPr>
@@ -3309,124 +3309,8 @@
         </p:blipFill>
         <p:spPr>
           <a:xfrm>
-            <a:off x="7639856" y="306070"/>
-            <a:ext cx="1207619" cy="255238"/>
-          </a:xfrm>
-          <a:prstGeom prst="rect">
-            <a:avLst/>
-          </a:prstGeom>
-        </p:spPr>
-      </p:pic>
-      <p:pic>
-        <p:nvPicPr>
-          <p:cNvPr id="26" name="Picture 25"/>
-          <p:cNvPicPr>
-            <a:picLocks noChangeAspect="1"/>
-          </p:cNvPicPr>
-          <p:nvPr/>
-        </p:nvPicPr>
-        <p:blipFill rotWithShape="1">
-          <a:blip r:embed="rId21">
-            <a:extLst>
-              <a:ext uri="{28A0092B-C50C-407E-A947-70E740481C1C}">
-                <a14:useLocalDpi xmlns:a14="http://schemas.microsoft.com/office/drawing/2010/main" val="0"/>
-              </a:ext>
-            </a:extLst>
-          </a:blip>
-          <a:srcRect l="16353" t="8665" r="10314" b="38001"/>
-          <a:stretch/>
-        </p:blipFill>
-        <p:spPr>
-          <a:xfrm>
-            <a:off x="7465568" y="657860"/>
-            <a:ext cx="1554480" cy="3657600"/>
-          </a:xfrm>
-          <a:prstGeom prst="rect">
-            <a:avLst/>
-          </a:prstGeom>
-        </p:spPr>
-      </p:pic>
-      <p:pic>
-        <p:nvPicPr>
-          <p:cNvPr id="27" name="Picture 26"/>
-          <p:cNvPicPr>
-            <a:picLocks noChangeAspect="1"/>
-          </p:cNvPicPr>
-          <p:nvPr/>
-        </p:nvPicPr>
-        <p:blipFill rotWithShape="1">
-          <a:blip r:embed="rId22">
-            <a:extLst>
-              <a:ext uri="{28A0092B-C50C-407E-A947-70E740481C1C}">
-                <a14:useLocalDpi xmlns:a14="http://schemas.microsoft.com/office/drawing/2010/main" val="0"/>
-              </a:ext>
-            </a:extLst>
-          </a:blip>
-          <a:srcRect l="16353" t="8666" r="10314" b="37999"/>
-          <a:stretch/>
-        </p:blipFill>
-        <p:spPr>
-          <a:xfrm>
-            <a:off x="3807968" y="657860"/>
-            <a:ext cx="1554480" cy="3657600"/>
-          </a:xfrm>
-          <a:prstGeom prst="rect">
-            <a:avLst/>
-          </a:prstGeom>
-        </p:spPr>
-      </p:pic>
-      <p:pic>
-        <p:nvPicPr>
-          <p:cNvPr id="34" name="Picture 33"/>
-          <p:cNvPicPr>
-            <a:picLocks noChangeAspect="1"/>
-          </p:cNvPicPr>
-          <p:nvPr/>
-        </p:nvPicPr>
-        <p:blipFill rotWithShape="1">
-          <a:blip r:embed="rId23">
-            <a:extLst>
-              <a:ext uri="{28A0092B-C50C-407E-A947-70E740481C1C}">
-                <a14:useLocalDpi xmlns:a14="http://schemas.microsoft.com/office/drawing/2010/main" val="0"/>
-              </a:ext>
-            </a:extLst>
-          </a:blip>
-          <a:srcRect l="16353" t="8665" r="10314" b="38001"/>
-          <a:stretch/>
-        </p:blipFill>
-        <p:spPr>
-          <a:xfrm>
-            <a:off x="5636768" y="657860"/>
-            <a:ext cx="1554480" cy="3657600"/>
-          </a:xfrm>
-          <a:prstGeom prst="rect">
-            <a:avLst/>
-          </a:prstGeom>
-        </p:spPr>
-      </p:pic>
-      <p:pic>
-        <p:nvPicPr>
-          <p:cNvPr id="36" name="Picture 35"/>
-          <p:cNvPicPr>
-            <a:picLocks noChangeAspect="1"/>
-          </p:cNvPicPr>
-          <p:nvPr/>
-        </p:nvPicPr>
-        <p:blipFill rotWithShape="1">
-          <a:blip r:embed="rId24">
-            <a:extLst>
-              <a:ext uri="{28A0092B-C50C-407E-A947-70E740481C1C}">
-                <a14:useLocalDpi xmlns:a14="http://schemas.microsoft.com/office/drawing/2010/main" val="0"/>
-              </a:ext>
-            </a:extLst>
-          </a:blip>
-          <a:srcRect l="15655" t="9056" r="10750" b="30283"/>
-          <a:stretch/>
-        </p:blipFill>
-        <p:spPr>
-          <a:xfrm>
-            <a:off x="9294368" y="632460"/>
-            <a:ext cx="1371600" cy="3657600"/>
+            <a:off x="7699379" y="306070"/>
+            <a:ext cx="1086857" cy="229714"/>
           </a:xfrm>
           <a:prstGeom prst="rect">
             <a:avLst/>
@@ -3469,7 +3353,7 @@
       </p:cxnSp>
       <p:pic>
         <p:nvPicPr>
-          <p:cNvPr id="41" name="Picture 40"/>
+          <p:cNvPr id="8" name="Picture 7"/>
           <p:cNvPicPr>
             <a:picLocks noChangeAspect="1"/>
           </p:cNvPicPr>
@@ -3480,7 +3364,7 @@
           </p:nvPr>
         </p:nvPicPr>
         <p:blipFill>
-          <a:blip r:embed="rId25">
+          <a:blip r:embed="rId21">
             <a:extLst>
               <a:ext uri="{28A0092B-C50C-407E-A947-70E740481C1C}">
                 <a14:useLocalDpi xmlns:a14="http://schemas.microsoft.com/office/drawing/2010/main" val="0"/>
@@ -3493,14 +3377,274 @@
         </p:blipFill>
         <p:spPr>
           <a:xfrm>
-            <a:off x="10985502" y="2374900"/>
-            <a:ext cx="678095" cy="152381"/>
+            <a:off x="10985503" y="2374902"/>
+            <a:ext cx="608571" cy="195429"/>
           </a:xfrm>
           <a:prstGeom prst="rect">
             <a:avLst/>
           </a:prstGeom>
         </p:spPr>
       </p:pic>
+      <p:pic>
+        <p:nvPicPr>
+          <p:cNvPr id="18" name="Picture 17"/>
+          <p:cNvPicPr>
+            <a:picLocks noChangeAspect="1"/>
+          </p:cNvPicPr>
+          <p:nvPr/>
+        </p:nvPicPr>
+        <p:blipFill rotWithShape="1">
+          <a:blip r:embed="rId22">
+            <a:extLst>
+              <a:ext uri="{28A0092B-C50C-407E-A947-70E740481C1C}">
+                <a14:useLocalDpi xmlns:a14="http://schemas.microsoft.com/office/drawing/2010/main" val="0"/>
+              </a:ext>
+            </a:extLst>
+          </a:blip>
+          <a:srcRect l="15059" t="8667" r="11608" b="38000"/>
+          <a:stretch/>
+        </p:blipFill>
+        <p:spPr>
+          <a:xfrm>
+            <a:off x="3803904" y="658368"/>
+            <a:ext cx="1554480" cy="3657600"/>
+          </a:xfrm>
+          <a:prstGeom prst="rect">
+            <a:avLst/>
+          </a:prstGeom>
+        </p:spPr>
+      </p:pic>
+      <p:pic>
+        <p:nvPicPr>
+          <p:cNvPr id="19" name="Picture 18"/>
+          <p:cNvPicPr>
+            <a:picLocks noChangeAspect="1"/>
+          </p:cNvPicPr>
+          <p:nvPr/>
+        </p:nvPicPr>
+        <p:blipFill rotWithShape="1">
+          <a:blip r:embed="rId23">
+            <a:extLst>
+              <a:ext uri="{28A0092B-C50C-407E-A947-70E740481C1C}">
+                <a14:useLocalDpi xmlns:a14="http://schemas.microsoft.com/office/drawing/2010/main" val="0"/>
+              </a:ext>
+            </a:extLst>
+          </a:blip>
+          <a:srcRect l="15059" t="8668" r="11608" b="38000"/>
+          <a:stretch/>
+        </p:blipFill>
+        <p:spPr>
+          <a:xfrm>
+            <a:off x="5632704" y="658368"/>
+            <a:ext cx="1554480" cy="3657600"/>
+          </a:xfrm>
+          <a:prstGeom prst="rect">
+            <a:avLst/>
+          </a:prstGeom>
+        </p:spPr>
+      </p:pic>
+      <p:pic>
+        <p:nvPicPr>
+          <p:cNvPr id="20" name="Picture 19"/>
+          <p:cNvPicPr>
+            <a:picLocks noChangeAspect="1"/>
+          </p:cNvPicPr>
+          <p:nvPr/>
+        </p:nvPicPr>
+        <p:blipFill rotWithShape="1">
+          <a:blip r:embed="rId24">
+            <a:extLst>
+              <a:ext uri="{28A0092B-C50C-407E-A947-70E740481C1C}">
+                <a14:useLocalDpi xmlns:a14="http://schemas.microsoft.com/office/drawing/2010/main" val="0"/>
+              </a:ext>
+            </a:extLst>
+          </a:blip>
+          <a:srcRect l="15059" t="8667" r="11608" b="38000"/>
+          <a:stretch/>
+        </p:blipFill>
+        <p:spPr>
+          <a:xfrm>
+            <a:off x="7461504" y="658368"/>
+            <a:ext cx="1554480" cy="3657600"/>
+          </a:xfrm>
+          <a:prstGeom prst="rect">
+            <a:avLst/>
+          </a:prstGeom>
+        </p:spPr>
+      </p:pic>
+      <p:pic>
+        <p:nvPicPr>
+          <p:cNvPr id="21" name="Picture 20"/>
+          <p:cNvPicPr>
+            <a:picLocks noChangeAspect="1"/>
+          </p:cNvPicPr>
+          <p:nvPr/>
+        </p:nvPicPr>
+        <p:blipFill rotWithShape="1">
+          <a:blip r:embed="rId25">
+            <a:extLst>
+              <a:ext uri="{28A0092B-C50C-407E-A947-70E740481C1C}">
+                <a14:useLocalDpi xmlns:a14="http://schemas.microsoft.com/office/drawing/2010/main" val="0"/>
+              </a:ext>
+            </a:extLst>
+          </a:blip>
+          <a:srcRect l="15059" t="10584" r="11608" b="31222"/>
+          <a:stretch/>
+        </p:blipFill>
+        <p:spPr>
+          <a:xfrm>
+            <a:off x="9290304" y="640080"/>
+            <a:ext cx="1424635" cy="3657600"/>
+          </a:xfrm>
+          <a:prstGeom prst="rect">
+            <a:avLst/>
+          </a:prstGeom>
+        </p:spPr>
+      </p:pic>
+      <p:sp>
+        <p:nvSpPr>
+          <p:cNvPr id="23" name="Oval 22"/>
+          <p:cNvSpPr/>
+          <p:nvPr/>
+        </p:nvSpPr>
+        <p:spPr>
+          <a:xfrm>
+            <a:off x="9968753" y="1100665"/>
+            <a:ext cx="182880" cy="182880"/>
+          </a:xfrm>
+          <a:prstGeom prst="ellipse">
+            <a:avLst/>
+          </a:prstGeom>
+          <a:solidFill>
+            <a:srgbClr val="00B0F0"/>
+          </a:solidFill>
+          <a:ln>
+            <a:solidFill>
+              <a:srgbClr val="00B0F0"/>
+            </a:solidFill>
+          </a:ln>
+        </p:spPr>
+        <p:style>
+          <a:lnRef idx="2">
+            <a:schemeClr val="accent1">
+              <a:shade val="50000"/>
+            </a:schemeClr>
+          </a:lnRef>
+          <a:fillRef idx="1">
+            <a:schemeClr val="accent1"/>
+          </a:fillRef>
+          <a:effectRef idx="0">
+            <a:schemeClr val="accent1"/>
+          </a:effectRef>
+          <a:fontRef idx="minor">
+            <a:schemeClr val="lt1"/>
+          </a:fontRef>
+        </p:style>
+        <p:txBody>
+          <a:bodyPr rtlCol="0" anchor="ctr"/>
+          <a:lstStyle/>
+          <a:p>
+            <a:pPr algn="ctr"/>
+            <a:endParaRPr lang="en-US"/>
+          </a:p>
+        </p:txBody>
+      </p:sp>
+      <p:sp>
+        <p:nvSpPr>
+          <p:cNvPr id="33" name="Oval 32"/>
+          <p:cNvSpPr/>
+          <p:nvPr/>
+        </p:nvSpPr>
+        <p:spPr>
+          <a:xfrm>
+            <a:off x="9968753" y="3565016"/>
+            <a:ext cx="182880" cy="182880"/>
+          </a:xfrm>
+          <a:prstGeom prst="ellipse">
+            <a:avLst/>
+          </a:prstGeom>
+          <a:solidFill>
+            <a:srgbClr val="00B0F0"/>
+          </a:solidFill>
+          <a:ln>
+            <a:solidFill>
+              <a:srgbClr val="00B0F0"/>
+            </a:solidFill>
+          </a:ln>
+        </p:spPr>
+        <p:style>
+          <a:lnRef idx="2">
+            <a:schemeClr val="accent1">
+              <a:shade val="50000"/>
+            </a:schemeClr>
+          </a:lnRef>
+          <a:fillRef idx="1">
+            <a:schemeClr val="accent1"/>
+          </a:fillRef>
+          <a:effectRef idx="0">
+            <a:schemeClr val="accent1"/>
+          </a:effectRef>
+          <a:fontRef idx="minor">
+            <a:schemeClr val="lt1"/>
+          </a:fontRef>
+        </p:style>
+        <p:txBody>
+          <a:bodyPr rtlCol="0" anchor="ctr"/>
+          <a:lstStyle/>
+          <a:p>
+            <a:pPr algn="ctr"/>
+            <a:endParaRPr lang="en-US"/>
+          </a:p>
+        </p:txBody>
+      </p:sp>
+      <p:sp>
+        <p:nvSpPr>
+          <p:cNvPr id="35" name="Oval 34"/>
+          <p:cNvSpPr/>
+          <p:nvPr/>
+        </p:nvSpPr>
+        <p:spPr>
+          <a:xfrm>
+            <a:off x="9977319" y="2332840"/>
+            <a:ext cx="182880" cy="182880"/>
+          </a:xfrm>
+          <a:prstGeom prst="ellipse">
+            <a:avLst/>
+          </a:prstGeom>
+          <a:solidFill>
+            <a:srgbClr val="FF0000"/>
+          </a:solidFill>
+          <a:ln>
+            <a:solidFill>
+              <a:srgbClr val="FF0000"/>
+            </a:solidFill>
+          </a:ln>
+        </p:spPr>
+        <p:style>
+          <a:lnRef idx="2">
+            <a:schemeClr val="accent1">
+              <a:shade val="50000"/>
+            </a:schemeClr>
+          </a:lnRef>
+          <a:fillRef idx="1">
+            <a:schemeClr val="accent1"/>
+          </a:fillRef>
+          <a:effectRef idx="0">
+            <a:schemeClr val="accent1"/>
+          </a:effectRef>
+          <a:fontRef idx="minor">
+            <a:schemeClr val="lt1"/>
+          </a:fontRef>
+        </p:style>
+        <p:txBody>
+          <a:bodyPr rtlCol="0" anchor="ctr"/>
+          <a:lstStyle/>
+          <a:p>
+            <a:pPr algn="ctr"/>
+            <a:endParaRPr lang="en-US"/>
+          </a:p>
+        </p:txBody>
+      </p:sp>
     </p:spTree>
     <p:extLst>
       <p:ext uri="{BB962C8B-B14F-4D97-AF65-F5344CB8AC3E}">
@@ -3517,63 +3661,63 @@
 <file path=ppt/tags/tag1.xml><?xml version="1.0" encoding="utf-8"?>
 <p:tagLst xmlns:a="http://schemas.openxmlformats.org/drawingml/2006/main" xmlns:r="http://schemas.openxmlformats.org/officeDocument/2006/relationships" xmlns:p="http://schemas.openxmlformats.org/presentationml/2006/main">
   <p:tag name="LATEXADDIN" val="\documentclass{article}&#10;\usepackage{amsmath}&#10;\pagestyle{empty}&#10;\begin{document}&#10;&#10;&#10;$l_m/L = 0.3$&#10;&#10;\end{document}"/>
-  <p:tag name="IGUANATEXSIZE" val="20"/>
+  <p:tag name="IGUANATEXSIZE" val="18"/>
 </p:tagLst>
 </file>
 
 <file path=ppt/tags/tag2.xml><?xml version="1.0" encoding="utf-8"?>
 <p:tagLst xmlns:a="http://schemas.openxmlformats.org/drawingml/2006/main" xmlns:r="http://schemas.openxmlformats.org/officeDocument/2006/relationships" xmlns:p="http://schemas.openxmlformats.org/presentationml/2006/main">
   <p:tag name="LATEXADDIN" val="\documentclass{article}&#10;\usepackage{amsmath}&#10;\pagestyle{empty}&#10;\begin{document}&#10;&#10;&#10;$L$&#10;&#10;\end{document}"/>
-  <p:tag name="IGUANATEXSIZE" val="20"/>
+  <p:tag name="IGUANATEXSIZE" val="18"/>
 </p:tagLst>
 </file>
 
 <file path=ppt/tags/tag3.xml><?xml version="1.0" encoding="utf-8"?>
 <p:tagLst xmlns:a="http://schemas.openxmlformats.org/drawingml/2006/main" xmlns:r="http://schemas.openxmlformats.org/officeDocument/2006/relationships" xmlns:p="http://schemas.openxmlformats.org/presentationml/2006/main">
-  <p:tag name="LATEXADDIN" val="\documentclass{article}&#10;\usepackage{amsmath}&#10;\pagestyle{empty}&#10;\begin{document}&#10;&#10;\begin{equation*}&#10;%\begin{split}&#10;\mathrm{Current \ density} \&#10;[ek_F\Delta_0/\pi\hbar]&#10;%\end{split}&#10;\end{equation*}&#10;&#10;\end{document}"/>
-  <p:tag name="IGUANATEXSIZE" val="20"/>
+  <p:tag name="LATEXADDIN" val="\documentclass{article}&#10;\usepackage{amsmath}&#10;\pagestyle{empty}&#10;\begin{document}&#10;&#10;\begin{equation*}&#10;%\begin{split}&#10;\mathrm{Current \ density} \&#10;[ek_F\Delta/\pi\hbar]&#10;%\end{split}&#10;\end{equation*}&#10;&#10;\end{document}"/>
+  <p:tag name="IGUANATEXSIZE" val="18"/>
 </p:tagLst>
 </file>
 
 <file path=ppt/tags/tag4.xml><?xml version="1.0" encoding="utf-8"?>
 <p:tagLst xmlns:a="http://schemas.openxmlformats.org/drawingml/2006/main" xmlns:r="http://schemas.openxmlformats.org/officeDocument/2006/relationships" xmlns:p="http://schemas.openxmlformats.org/presentationml/2006/main">
   <p:tag name="LATEXADDIN" val="\documentclass{article}&#10;\usepackage{amsmath}&#10;\pagestyle{empty}&#10;\begin{document}&#10;&#10;&#10;$0$&#10;&#10;\end{document}"/>
-  <p:tag name="IGUANATEXSIZE" val="20"/>
+  <p:tag name="IGUANATEXSIZE" val="18"/>
 </p:tagLst>
 </file>
 
 <file path=ppt/tags/tag5.xml><?xml version="1.0" encoding="utf-8"?>
 <p:tagLst xmlns:a="http://schemas.openxmlformats.org/drawingml/2006/main" xmlns:r="http://schemas.openxmlformats.org/officeDocument/2006/relationships" xmlns:p="http://schemas.openxmlformats.org/presentationml/2006/main">
   <p:tag name="LATEXADDIN" val="\documentclass{article}&#10;\usepackage{amsmath}&#10;\pagestyle{empty}&#10;\begin{document}&#10;&#10;&#10;0.5&#10;&#10;\end{document}"/>
-  <p:tag name="IGUANATEXSIZE" val="20"/>
+  <p:tag name="IGUANATEXSIZE" val="18"/>
 </p:tagLst>
 </file>
 
 <file path=ppt/tags/tag6.xml><?xml version="1.0" encoding="utf-8"?>
 <p:tagLst xmlns:a="http://schemas.openxmlformats.org/drawingml/2006/main" xmlns:r="http://schemas.openxmlformats.org/officeDocument/2006/relationships" xmlns:p="http://schemas.openxmlformats.org/presentationml/2006/main">
   <p:tag name="LATEXADDIN" val="\documentclass{article}&#10;\usepackage{amsmath}&#10;\pagestyle{empty}&#10;\begin{document}&#10;&#10;&#10;0.25&#10;&#10;\end{document}"/>
-  <p:tag name="IGUANATEXSIZE" val="20"/>
+  <p:tag name="IGUANATEXSIZE" val="18"/>
 </p:tagLst>
 </file>
 
 <file path=ppt/tags/tag7.xml><?xml version="1.0" encoding="utf-8"?>
 <p:tagLst xmlns:a="http://schemas.openxmlformats.org/drawingml/2006/main" xmlns:r="http://schemas.openxmlformats.org/officeDocument/2006/relationships" xmlns:p="http://schemas.openxmlformats.org/presentationml/2006/main">
   <p:tag name="LATEXADDIN" val="\documentclass{article}&#10;\usepackage{amsmath}&#10;\pagestyle{empty}&#10;\begin{document}&#10;&#10;&#10;$l_m/L = 0.5$&#10;&#10;\end{document}"/>
-  <p:tag name="IGUANATEXSIZE" val="20"/>
+  <p:tag name="IGUANATEXSIZE" val="18"/>
 </p:tagLst>
 </file>
 
 <file path=ppt/tags/tag8.xml><?xml version="1.0" encoding="utf-8"?>
 <p:tagLst xmlns:a="http://schemas.openxmlformats.org/drawingml/2006/main" xmlns:r="http://schemas.openxmlformats.org/officeDocument/2006/relationships" xmlns:p="http://schemas.openxmlformats.org/presentationml/2006/main">
   <p:tag name="LATEXADDIN" val="\documentclass{article}&#10;\usepackage{amsmath}&#10;\pagestyle{empty}&#10;\begin{document}&#10;&#10;&#10;$l_m/L = 0.8$&#10;&#10;\end{document}"/>
-  <p:tag name="IGUANATEXSIZE" val="20"/>
+  <p:tag name="IGUANATEXSIZE" val="18"/>
 </p:tagLst>
 </file>
 
 <file path=ppt/tags/tag9.xml><?xml version="1.0" encoding="utf-8"?>
 <p:tagLst xmlns:a="http://schemas.openxmlformats.org/drawingml/2006/main" xmlns:r="http://schemas.openxmlformats.org/officeDocument/2006/relationships" xmlns:p="http://schemas.openxmlformats.org/presentationml/2006/main">
-  <p:tag name="LATEXADDIN" val="\documentclass{article}&#10;\usepackage{amsmath}&#10;\pagestyle{empty}&#10;\begin{document}&#10;&#10;&#10;$a_{\mathrm{vortex}}$&#10;&#10;\end{document}"/>
-  <p:tag name="IGUANATEXSIZE" val="20"/>
+  <p:tag name="LATEXADDIN" val="\documentclass{article}&#10;\usepackage{amsmath}&#10;\pagestyle{empty}&#10;\begin{document}&#10;&#10;&#10;$d_{\mathrm{vortex}}$&#10;&#10;\end{document}"/>
+  <p:tag name="IGUANATEXSIZE" val="18"/>
 </p:tagLst>
 </file>
 
